--- a/instructions/illustration.pptx
+++ b/instructions/illustration.pptx
@@ -238,7 +238,7 @@
           <a:p>
             <a:fld id="{6BE09CF0-F7F9-48FC-8E6C-FC17232597AD}" type="datetimeFigureOut">
               <a:rPr lang="en-GB" smtClean="0"/>
-              <a:t>07/12/2024</a:t>
+              <a:t>06/06/2025</a:t>
             </a:fld>
             <a:endParaRPr lang="en-GB"/>
           </a:p>
@@ -637,7 +637,7 @@
           <a:p>
             <a:fld id="{ED88497A-A6CD-47F8-BBE7-A4F7C4DD7077}" type="datetimeFigureOut">
               <a:rPr lang="en-GB" smtClean="0"/>
-              <a:t>07/12/2024</a:t>
+              <a:t>06/06/2025</a:t>
             </a:fld>
             <a:endParaRPr lang="en-GB"/>
           </a:p>
@@ -807,7 +807,7 @@
           <a:p>
             <a:fld id="{ED88497A-A6CD-47F8-BBE7-A4F7C4DD7077}" type="datetimeFigureOut">
               <a:rPr lang="en-GB" smtClean="0"/>
-              <a:t>07/12/2024</a:t>
+              <a:t>06/06/2025</a:t>
             </a:fld>
             <a:endParaRPr lang="en-GB"/>
           </a:p>
@@ -987,7 +987,7 @@
           <a:p>
             <a:fld id="{ED88497A-A6CD-47F8-BBE7-A4F7C4DD7077}" type="datetimeFigureOut">
               <a:rPr lang="en-GB" smtClean="0"/>
-              <a:t>07/12/2024</a:t>
+              <a:t>06/06/2025</a:t>
             </a:fld>
             <a:endParaRPr lang="en-GB"/>
           </a:p>
@@ -1157,7 +1157,7 @@
           <a:p>
             <a:fld id="{ED88497A-A6CD-47F8-BBE7-A4F7C4DD7077}" type="datetimeFigureOut">
               <a:rPr lang="en-GB" smtClean="0"/>
-              <a:t>07/12/2024</a:t>
+              <a:t>06/06/2025</a:t>
             </a:fld>
             <a:endParaRPr lang="en-GB"/>
           </a:p>
@@ -1403,7 +1403,7 @@
           <a:p>
             <a:fld id="{ED88497A-A6CD-47F8-BBE7-A4F7C4DD7077}" type="datetimeFigureOut">
               <a:rPr lang="en-GB" smtClean="0"/>
-              <a:t>07/12/2024</a:t>
+              <a:t>06/06/2025</a:t>
             </a:fld>
             <a:endParaRPr lang="en-GB"/>
           </a:p>
@@ -1635,7 +1635,7 @@
           <a:p>
             <a:fld id="{ED88497A-A6CD-47F8-BBE7-A4F7C4DD7077}" type="datetimeFigureOut">
               <a:rPr lang="en-GB" smtClean="0"/>
-              <a:t>07/12/2024</a:t>
+              <a:t>06/06/2025</a:t>
             </a:fld>
             <a:endParaRPr lang="en-GB"/>
           </a:p>
@@ -2002,7 +2002,7 @@
           <a:p>
             <a:fld id="{ED88497A-A6CD-47F8-BBE7-A4F7C4DD7077}" type="datetimeFigureOut">
               <a:rPr lang="en-GB" smtClean="0"/>
-              <a:t>07/12/2024</a:t>
+              <a:t>06/06/2025</a:t>
             </a:fld>
             <a:endParaRPr lang="en-GB"/>
           </a:p>
@@ -2120,7 +2120,7 @@
           <a:p>
             <a:fld id="{ED88497A-A6CD-47F8-BBE7-A4F7C4DD7077}" type="datetimeFigureOut">
               <a:rPr lang="en-GB" smtClean="0"/>
-              <a:t>07/12/2024</a:t>
+              <a:t>06/06/2025</a:t>
             </a:fld>
             <a:endParaRPr lang="en-GB"/>
           </a:p>
@@ -2215,7 +2215,7 @@
           <a:p>
             <a:fld id="{ED88497A-A6CD-47F8-BBE7-A4F7C4DD7077}" type="datetimeFigureOut">
               <a:rPr lang="en-GB" smtClean="0"/>
-              <a:t>07/12/2024</a:t>
+              <a:t>06/06/2025</a:t>
             </a:fld>
             <a:endParaRPr lang="en-GB"/>
           </a:p>
@@ -2492,7 +2492,7 @@
           <a:p>
             <a:fld id="{ED88497A-A6CD-47F8-BBE7-A4F7C4DD7077}" type="datetimeFigureOut">
               <a:rPr lang="en-GB" smtClean="0"/>
-              <a:t>07/12/2024</a:t>
+              <a:t>06/06/2025</a:t>
             </a:fld>
             <a:endParaRPr lang="en-GB"/>
           </a:p>
@@ -2749,7 +2749,7 @@
           <a:p>
             <a:fld id="{ED88497A-A6CD-47F8-BBE7-A4F7C4DD7077}" type="datetimeFigureOut">
               <a:rPr lang="en-GB" smtClean="0"/>
-              <a:t>07/12/2024</a:t>
+              <a:t>06/06/2025</a:t>
             </a:fld>
             <a:endParaRPr lang="en-GB"/>
           </a:p>
@@ -2962,7 +2962,7 @@
           <a:p>
             <a:fld id="{ED88497A-A6CD-47F8-BBE7-A4F7C4DD7077}" type="datetimeFigureOut">
               <a:rPr lang="en-GB" smtClean="0"/>
-              <a:t>07/12/2024</a:t>
+              <a:t>06/06/2025</a:t>
             </a:fld>
             <a:endParaRPr lang="en-GB"/>
           </a:p>

--- a/instructions/illustration.pptx
+++ b/instructions/illustration.pptx
@@ -238,7 +238,7 @@
           <a:p>
             <a:fld id="{6BE09CF0-F7F9-48FC-8E6C-FC17232597AD}" type="datetimeFigureOut">
               <a:rPr lang="en-GB" smtClean="0"/>
-              <a:t>06/06/2025</a:t>
+              <a:t>17/06/2025</a:t>
             </a:fld>
             <a:endParaRPr lang="en-GB"/>
           </a:p>
@@ -637,7 +637,7 @@
           <a:p>
             <a:fld id="{ED88497A-A6CD-47F8-BBE7-A4F7C4DD7077}" type="datetimeFigureOut">
               <a:rPr lang="en-GB" smtClean="0"/>
-              <a:t>06/06/2025</a:t>
+              <a:t>17/06/2025</a:t>
             </a:fld>
             <a:endParaRPr lang="en-GB"/>
           </a:p>
@@ -807,7 +807,7 @@
           <a:p>
             <a:fld id="{ED88497A-A6CD-47F8-BBE7-A4F7C4DD7077}" type="datetimeFigureOut">
               <a:rPr lang="en-GB" smtClean="0"/>
-              <a:t>06/06/2025</a:t>
+              <a:t>17/06/2025</a:t>
             </a:fld>
             <a:endParaRPr lang="en-GB"/>
           </a:p>
@@ -987,7 +987,7 @@
           <a:p>
             <a:fld id="{ED88497A-A6CD-47F8-BBE7-A4F7C4DD7077}" type="datetimeFigureOut">
               <a:rPr lang="en-GB" smtClean="0"/>
-              <a:t>06/06/2025</a:t>
+              <a:t>17/06/2025</a:t>
             </a:fld>
             <a:endParaRPr lang="en-GB"/>
           </a:p>
@@ -1157,7 +1157,7 @@
           <a:p>
             <a:fld id="{ED88497A-A6CD-47F8-BBE7-A4F7C4DD7077}" type="datetimeFigureOut">
               <a:rPr lang="en-GB" smtClean="0"/>
-              <a:t>06/06/2025</a:t>
+              <a:t>17/06/2025</a:t>
             </a:fld>
             <a:endParaRPr lang="en-GB"/>
           </a:p>
@@ -1403,7 +1403,7 @@
           <a:p>
             <a:fld id="{ED88497A-A6CD-47F8-BBE7-A4F7C4DD7077}" type="datetimeFigureOut">
               <a:rPr lang="en-GB" smtClean="0"/>
-              <a:t>06/06/2025</a:t>
+              <a:t>17/06/2025</a:t>
             </a:fld>
             <a:endParaRPr lang="en-GB"/>
           </a:p>
@@ -1635,7 +1635,7 @@
           <a:p>
             <a:fld id="{ED88497A-A6CD-47F8-BBE7-A4F7C4DD7077}" type="datetimeFigureOut">
               <a:rPr lang="en-GB" smtClean="0"/>
-              <a:t>06/06/2025</a:t>
+              <a:t>17/06/2025</a:t>
             </a:fld>
             <a:endParaRPr lang="en-GB"/>
           </a:p>
@@ -2002,7 +2002,7 @@
           <a:p>
             <a:fld id="{ED88497A-A6CD-47F8-BBE7-A4F7C4DD7077}" type="datetimeFigureOut">
               <a:rPr lang="en-GB" smtClean="0"/>
-              <a:t>06/06/2025</a:t>
+              <a:t>17/06/2025</a:t>
             </a:fld>
             <a:endParaRPr lang="en-GB"/>
           </a:p>
@@ -2120,7 +2120,7 @@
           <a:p>
             <a:fld id="{ED88497A-A6CD-47F8-BBE7-A4F7C4DD7077}" type="datetimeFigureOut">
               <a:rPr lang="en-GB" smtClean="0"/>
-              <a:t>06/06/2025</a:t>
+              <a:t>17/06/2025</a:t>
             </a:fld>
             <a:endParaRPr lang="en-GB"/>
           </a:p>
@@ -2215,7 +2215,7 @@
           <a:p>
             <a:fld id="{ED88497A-A6CD-47F8-BBE7-A4F7C4DD7077}" type="datetimeFigureOut">
               <a:rPr lang="en-GB" smtClean="0"/>
-              <a:t>06/06/2025</a:t>
+              <a:t>17/06/2025</a:t>
             </a:fld>
             <a:endParaRPr lang="en-GB"/>
           </a:p>
@@ -2492,7 +2492,7 @@
           <a:p>
             <a:fld id="{ED88497A-A6CD-47F8-BBE7-A4F7C4DD7077}" type="datetimeFigureOut">
               <a:rPr lang="en-GB" smtClean="0"/>
-              <a:t>06/06/2025</a:t>
+              <a:t>17/06/2025</a:t>
             </a:fld>
             <a:endParaRPr lang="en-GB"/>
           </a:p>
@@ -2749,7 +2749,7 @@
           <a:p>
             <a:fld id="{ED88497A-A6CD-47F8-BBE7-A4F7C4DD7077}" type="datetimeFigureOut">
               <a:rPr lang="en-GB" smtClean="0"/>
-              <a:t>06/06/2025</a:t>
+              <a:t>17/06/2025</a:t>
             </a:fld>
             <a:endParaRPr lang="en-GB"/>
           </a:p>
@@ -2962,7 +2962,7 @@
           <a:p>
             <a:fld id="{ED88497A-A6CD-47F8-BBE7-A4F7C4DD7077}" type="datetimeFigureOut">
               <a:rPr lang="en-GB" smtClean="0"/>
-              <a:t>06/06/2025</a:t>
+              <a:t>17/06/2025</a:t>
             </a:fld>
             <a:endParaRPr lang="en-GB"/>
           </a:p>
@@ -7086,8 +7086,8 @@
         </p:nvSpPr>
         <p:spPr>
           <a:xfrm>
-            <a:off x="418984" y="690589"/>
-            <a:ext cx="3102965" cy="369332"/>
+            <a:off x="494456" y="690589"/>
+            <a:ext cx="2952027" cy="369332"/>
           </a:xfrm>
           <a:prstGeom prst="rect">
             <a:avLst/>
@@ -7106,7 +7106,7 @@
                 <a:latin typeface="思源黑体" panose="020B0500000000000000" pitchFamily="34" charset="-122"/>
                 <a:ea typeface="思源黑体" panose="020B0500000000000000" pitchFamily="34" charset="-122"/>
               </a:rPr>
-              <a:t>ValidCount</a:t>
+              <a:t>NetActive</a:t>
             </a:r>
             <a:r>
               <a:rPr lang="en-US" altLang="zh-CN" dirty="0">
@@ -7816,8 +7816,8 @@
         </p:nvSpPr>
         <p:spPr>
           <a:xfrm>
-            <a:off x="4599158" y="690589"/>
-            <a:ext cx="3102965" cy="369332"/>
+            <a:off x="4674627" y="690589"/>
+            <a:ext cx="2952027" cy="369332"/>
           </a:xfrm>
           <a:prstGeom prst="rect">
             <a:avLst/>
@@ -7832,11 +7832,11 @@
           <a:p>
             <a:pPr algn="ctr"/>
             <a:r>
-              <a:rPr lang="en-US" altLang="zh-CN" sz="1800" dirty="0" err="1">
+              <a:rPr lang="en-US" altLang="zh-CN" dirty="0" err="1">
                 <a:latin typeface="思源黑体" panose="020B0500000000000000" pitchFamily="34" charset="-122"/>
                 <a:ea typeface="思源黑体" panose="020B0500000000000000" pitchFamily="34" charset="-122"/>
               </a:rPr>
-              <a:t>ValidCount</a:t>
+              <a:t>NetActive</a:t>
             </a:r>
             <a:r>
               <a:rPr lang="en-US" altLang="zh-CN" sz="1800" dirty="0">
@@ -7866,8 +7866,8 @@
         </p:nvSpPr>
         <p:spPr>
           <a:xfrm>
-            <a:off x="8744436" y="690589"/>
-            <a:ext cx="3102965" cy="369332"/>
+            <a:off x="8819905" y="690589"/>
+            <a:ext cx="2952027" cy="369332"/>
           </a:xfrm>
           <a:prstGeom prst="rect">
             <a:avLst/>
@@ -7886,7 +7886,7 @@
                 <a:latin typeface="思源黑体" panose="020B0500000000000000" pitchFamily="34" charset="-122"/>
                 <a:ea typeface="思源黑体" panose="020B0500000000000000" pitchFamily="34" charset="-122"/>
               </a:rPr>
-              <a:t>ValidCount</a:t>
+              <a:t>NetActive</a:t>
             </a:r>
             <a:r>
               <a:rPr lang="en-US" altLang="zh-CN" dirty="0">
